--- a/PPT/RV64处理器设计.pptx
+++ b/PPT/RV64处理器设计.pptx
@@ -5,20 +5,20 @@
     <p:sldMasterId id="2147483648" r:id="rId1"/>
   </p:sldMasterIdLst>
   <p:notesMasterIdLst>
-    <p:notesMasterId r:id="rId4"/>
+    <p:notesMasterId r:id="rId10"/>
   </p:notesMasterIdLst>
   <p:handoutMasterIdLst>
-    <p:handoutMasterId r:id="rId12"/>
+    <p:handoutMasterId r:id="rId11"/>
   </p:handoutMasterIdLst>
   <p:sldIdLst>
-    <p:sldId id="256" r:id="rId3"/>
-    <p:sldId id="271" r:id="rId5"/>
-    <p:sldId id="279" r:id="rId6"/>
-    <p:sldId id="281" r:id="rId7"/>
-    <p:sldId id="283" r:id="rId8"/>
-    <p:sldId id="284" r:id="rId9"/>
-    <p:sldId id="286" r:id="rId10"/>
-    <p:sldId id="285" r:id="rId11"/>
+    <p:sldId id="256" r:id="rId2"/>
+    <p:sldId id="271" r:id="rId3"/>
+    <p:sldId id="279" r:id="rId4"/>
+    <p:sldId id="281" r:id="rId5"/>
+    <p:sldId id="283" r:id="rId6"/>
+    <p:sldId id="284" r:id="rId7"/>
+    <p:sldId id="286" r:id="rId8"/>
+    <p:sldId id="285" r:id="rId9"/>
   </p:sldIdLst>
   <p:sldSz cx="12192000" cy="6858000"/>
   <p:notesSz cx="6858000" cy="9144000"/>
@@ -152,6 +152,9 @@
         </p15:guide>
       </p15:sldGuideLst>
     </p:ext>
+    <p:ext uri="{2D200454-40CA-4A62-9FC3-DE9A4176ACB9}">
+      <p15:notesGuideLst xmlns:p15="http://schemas.microsoft.com/office/powerpoint/2012/main"/>
+    </p:ext>
   </p:extLst>
 </p:presentation>
 </file>
@@ -252,6 +255,7 @@
                 <a:latin typeface="Microsoft YaHei UI" panose="020B0503020204020204" pitchFamily="34" charset="-122"/>
                 <a:ea typeface="Microsoft YaHei UI" panose="020B0503020204020204" pitchFamily="34" charset="-122"/>
               </a:rPr>
+              <a:t>2025/8/21</a:t>
             </a:fld>
             <a:endParaRPr lang="zh-CN" altLang="en-US">
               <a:latin typeface="Microsoft YaHei UI" panose="020B0503020204020204" pitchFamily="34" charset="-122"/>
@@ -328,6 +332,7 @@
                 <a:latin typeface="Microsoft YaHei UI" panose="020B0503020204020204" pitchFamily="34" charset="-122"/>
                 <a:ea typeface="Microsoft YaHei UI" panose="020B0503020204020204" pitchFamily="34" charset="-122"/>
               </a:rPr>
+              <a:t>‹#›</a:t>
             </a:fld>
             <a:endParaRPr lang="zh-CN" altLang="en-US">
               <a:latin typeface="Microsoft YaHei UI" panose="020B0503020204020204" pitchFamily="34" charset="-122"/>
@@ -337,6 +342,11 @@
         </p:txBody>
       </p:sp>
     </p:spTree>
+    <p:extLst>
+      <p:ext uri="{BB962C8B-B14F-4D97-AF65-F5344CB8AC3E}">
+        <p14:creationId xmlns:p14="http://schemas.microsoft.com/office/powerpoint/2010/main" val="1"/>
+      </p:ext>
+    </p:extLst>
   </p:cSld>
   <p:clrMap bg1="lt1" tx1="dk1" bg2="lt2" tx2="dk2" accent1="accent1" accent2="accent2" accent3="accent3" accent4="accent4" accent5="accent5" accent6="accent6" hlink="hlink" folHlink="folHlink"/>
   <p:hf hdr="0" ftr="0" dt="0"/>
@@ -431,6 +441,7 @@
           <a:p>
             <a:fld id="{81DCBD32-5E35-4514-9815-F3DDD3668777}" type="datetime1">
               <a:rPr lang="zh-CN" altLang="en-US" smtClean="0"/>
+              <a:t>2025/8/20</a:t>
             </a:fld>
             <a:endParaRPr lang="en-US" dirty="0"/>
           </a:p>
@@ -498,7 +509,6 @@
               <a:rPr lang="en-US" dirty="0"/>
               <a:t>单击此处编辑母版文本样式</a:t>
             </a:r>
-            <a:endParaRPr lang="en-US" dirty="0"/>
           </a:p>
           <a:p>
             <a:pPr lvl="1" rtl="0"/>
@@ -506,7 +516,6 @@
               <a:rPr lang="en-US" dirty="0"/>
               <a:t>第二级</a:t>
             </a:r>
-            <a:endParaRPr lang="en-US" dirty="0"/>
           </a:p>
           <a:p>
             <a:pPr lvl="2" rtl="0"/>
@@ -514,7 +523,6 @@
               <a:rPr lang="en-US" dirty="0"/>
               <a:t>第三级</a:t>
             </a:r>
-            <a:endParaRPr lang="en-US" dirty="0"/>
           </a:p>
           <a:p>
             <a:pPr lvl="3" rtl="0"/>
@@ -522,7 +530,6 @@
               <a:rPr lang="en-US" dirty="0"/>
               <a:t>第四级</a:t>
             </a:r>
-            <a:endParaRPr lang="en-US" dirty="0"/>
           </a:p>
           <a:p>
             <a:pPr lvl="4" rtl="0"/>
@@ -530,7 +537,6 @@
               <a:rPr lang="en-US" dirty="0"/>
               <a:t>第五级</a:t>
             </a:r>
-            <a:endParaRPr lang="en-US" dirty="0"/>
           </a:p>
         </p:txBody>
       </p:sp>
@@ -600,6 +606,7 @@
           <a:p>
             <a:fld id="{DF61EA0F-A667-4B49-8422-0062BC55E249}" type="slidenum">
               <a:rPr lang="en-US" smtClean="0"/>
+              <a:t>‹#›</a:t>
             </a:fld>
             <a:endParaRPr lang="en-US" dirty="0"/>
           </a:p>
@@ -782,6 +789,7 @@
                 <a:latin typeface="Microsoft YaHei UI" panose="020B0503020204020204" pitchFamily="34" charset="-122"/>
                 <a:ea typeface="Microsoft YaHei UI" panose="020B0503020204020204" pitchFamily="34" charset="-122"/>
               </a:rPr>
+              <a:t>1</a:t>
             </a:fld>
             <a:endParaRPr lang="zh-CN" altLang="en-US">
               <a:latin typeface="Microsoft YaHei UI" panose="020B0503020204020204" pitchFamily="34" charset="-122"/>
@@ -870,6 +878,7 @@
                 <a:latin typeface="Microsoft YaHei UI" panose="020B0503020204020204" pitchFamily="34" charset="-122"/>
                 <a:ea typeface="Microsoft YaHei UI" panose="020B0503020204020204" pitchFamily="34" charset="-122"/>
               </a:rPr>
+              <a:t>2</a:t>
             </a:fld>
             <a:endParaRPr lang="zh-CN" altLang="en-US">
               <a:latin typeface="Microsoft YaHei UI" panose="020B0503020204020204" pitchFamily="34" charset="-122"/>
@@ -958,6 +967,7 @@
                 <a:latin typeface="Microsoft YaHei UI" panose="020B0503020204020204" pitchFamily="34" charset="-122"/>
                 <a:ea typeface="Microsoft YaHei UI" panose="020B0503020204020204" pitchFamily="34" charset="-122"/>
               </a:rPr>
+              <a:t>3</a:t>
             </a:fld>
             <a:endParaRPr lang="zh-CN" altLang="en-US">
               <a:latin typeface="Microsoft YaHei UI" panose="020B0503020204020204" pitchFamily="34" charset="-122"/>
@@ -1046,6 +1056,7 @@
                 <a:latin typeface="Microsoft YaHei UI" panose="020B0503020204020204" pitchFamily="34" charset="-122"/>
                 <a:ea typeface="Microsoft YaHei UI" panose="020B0503020204020204" pitchFamily="34" charset="-122"/>
               </a:rPr>
+              <a:t>4</a:t>
             </a:fld>
             <a:endParaRPr lang="zh-CN" altLang="en-US">
               <a:latin typeface="Microsoft YaHei UI" panose="020B0503020204020204" pitchFamily="34" charset="-122"/>
@@ -1134,6 +1145,7 @@
                 <a:latin typeface="Microsoft YaHei UI" panose="020B0503020204020204" pitchFamily="34" charset="-122"/>
                 <a:ea typeface="Microsoft YaHei UI" panose="020B0503020204020204" pitchFamily="34" charset="-122"/>
               </a:rPr>
+              <a:t>5</a:t>
             </a:fld>
             <a:endParaRPr lang="zh-CN" altLang="en-US">
               <a:latin typeface="Microsoft YaHei UI" panose="020B0503020204020204" pitchFamily="34" charset="-122"/>
@@ -1222,6 +1234,7 @@
                 <a:latin typeface="Microsoft YaHei UI" panose="020B0503020204020204" pitchFamily="34" charset="-122"/>
                 <a:ea typeface="Microsoft YaHei UI" panose="020B0503020204020204" pitchFamily="34" charset="-122"/>
               </a:rPr>
+              <a:t>6</a:t>
             </a:fld>
             <a:endParaRPr lang="zh-CN" altLang="en-US">
               <a:latin typeface="Microsoft YaHei UI" panose="020B0503020204020204" pitchFamily="34" charset="-122"/>
@@ -1310,6 +1323,7 @@
                 <a:latin typeface="Microsoft YaHei UI" panose="020B0503020204020204" pitchFamily="34" charset="-122"/>
                 <a:ea typeface="Microsoft YaHei UI" panose="020B0503020204020204" pitchFamily="34" charset="-122"/>
               </a:rPr>
+              <a:t>7</a:t>
             </a:fld>
             <a:endParaRPr lang="zh-CN" altLang="en-US">
               <a:latin typeface="Microsoft YaHei UI" panose="020B0503020204020204" pitchFamily="34" charset="-122"/>
@@ -1398,6 +1412,7 @@
                 <a:latin typeface="Microsoft YaHei UI" panose="020B0503020204020204" pitchFamily="34" charset="-122"/>
                 <a:ea typeface="Microsoft YaHei UI" panose="020B0503020204020204" pitchFamily="34" charset="-122"/>
               </a:rPr>
+              <a:t>8</a:t>
             </a:fld>
             <a:endParaRPr lang="zh-CN" altLang="en-US">
               <a:latin typeface="Microsoft YaHei UI" panose="020B0503020204020204" pitchFamily="34" charset="-122"/>
@@ -1762,7 +1777,6 @@
               <a:rPr lang="zh-CN" altLang="en-US" noProof="0"/>
               <a:t>单击此处编辑母版文本样式</a:t>
             </a:r>
-            <a:endParaRPr lang="zh-CN" altLang="en-US" noProof="0"/>
           </a:p>
           <a:p>
             <a:pPr marL="0" lvl="1" indent="0" rtl="0">
@@ -1781,7 +1795,6 @@
               <a:rPr lang="zh-CN" altLang="en-US" noProof="0"/>
               <a:t>二级</a:t>
             </a:r>
-            <a:endParaRPr lang="zh-CN" altLang="en-US" noProof="0"/>
           </a:p>
           <a:p>
             <a:pPr marL="0" lvl="2" indent="0" rtl="0">
@@ -1800,7 +1813,6 @@
               <a:rPr lang="zh-CN" altLang="en-US" noProof="0"/>
               <a:t>三级</a:t>
             </a:r>
-            <a:endParaRPr lang="zh-CN" altLang="en-US" noProof="0"/>
           </a:p>
           <a:p>
             <a:pPr marL="0" lvl="3" indent="0" rtl="0">
@@ -1819,7 +1831,6 @@
               <a:rPr lang="zh-CN" altLang="en-US" noProof="0"/>
               <a:t>四级</a:t>
             </a:r>
-            <a:endParaRPr lang="zh-CN" altLang="en-US" noProof="0"/>
           </a:p>
           <a:p>
             <a:pPr marL="0" lvl="4" indent="0" rtl="0">
@@ -1838,7 +1849,6 @@
               <a:rPr lang="zh-CN" altLang="en-US" noProof="0"/>
               <a:t>五级</a:t>
             </a:r>
-            <a:endParaRPr lang="zh-CN" altLang="en-US" noProof="0"/>
           </a:p>
         </p:txBody>
       </p:sp>
@@ -1880,6 +1890,7 @@
           <a:p>
             <a:fld id="{FC0AFDC1-AB40-4941-83E0-44D5ED544864}" type="datetime1">
               <a:rPr lang="zh-CN" altLang="en-US" noProof="0" smtClean="0"/>
+              <a:t>2025/8/20</a:t>
             </a:fld>
             <a:endParaRPr lang="zh-CN" altLang="en-US" noProof="0"/>
           </a:p>
@@ -1963,6 +1974,7 @@
           <a:p>
             <a:fld id="{9860EDB8-5305-433F-BE41-D7A86D811DB3}" type="slidenum">
               <a:rPr lang="en-US" altLang="zh-CN" noProof="0" smtClean="0"/>
+              <a:t>‹#›</a:t>
             </a:fld>
             <a:endParaRPr lang="zh-CN" altLang="en-US" noProof="0"/>
           </a:p>
@@ -2231,7 +2243,6 @@
               <a:rPr lang="zh-CN" altLang="en-US" noProof="0"/>
               <a:t>单击此处编辑母版文本样式</a:t>
             </a:r>
-            <a:endParaRPr lang="zh-CN" altLang="en-US" noProof="0"/>
           </a:p>
           <a:p>
             <a:pPr marL="0" lvl="1" indent="0" rtl="0">
@@ -2250,7 +2261,6 @@
               <a:rPr lang="zh-CN" altLang="en-US" noProof="0"/>
               <a:t>二级</a:t>
             </a:r>
-            <a:endParaRPr lang="zh-CN" altLang="en-US" noProof="0"/>
           </a:p>
           <a:p>
             <a:pPr marL="0" lvl="2" indent="0" rtl="0">
@@ -2269,7 +2279,6 @@
               <a:rPr lang="zh-CN" altLang="en-US" noProof="0"/>
               <a:t>三级</a:t>
             </a:r>
-            <a:endParaRPr lang="zh-CN" altLang="en-US" noProof="0"/>
           </a:p>
           <a:p>
             <a:pPr marL="0" lvl="3" indent="0" rtl="0">
@@ -2288,7 +2297,6 @@
               <a:rPr lang="zh-CN" altLang="en-US" noProof="0"/>
               <a:t>四级</a:t>
             </a:r>
-            <a:endParaRPr lang="zh-CN" altLang="en-US" noProof="0"/>
           </a:p>
           <a:p>
             <a:pPr marL="0" lvl="4" indent="0" rtl="0">
@@ -2307,7 +2315,6 @@
               <a:rPr lang="zh-CN" altLang="en-US" noProof="0"/>
               <a:t>五级</a:t>
             </a:r>
-            <a:endParaRPr lang="zh-CN" altLang="en-US" noProof="0"/>
           </a:p>
         </p:txBody>
       </p:sp>
@@ -2420,7 +2427,6 @@
               <a:rPr lang="zh-CN" altLang="en-US" noProof="0"/>
               <a:t>单击此处编辑母版标题样式</a:t>
             </a:r>
-            <a:endParaRPr lang="zh-CN" altLang="en-US" noProof="0"/>
           </a:p>
         </p:txBody>
       </p:sp>
@@ -2454,7 +2460,6 @@
               <a:rPr lang="zh-CN" altLang="en-US" noProof="0"/>
               <a:t>单击此处编辑母版文本样式</a:t>
             </a:r>
-            <a:endParaRPr lang="zh-CN" altLang="en-US" noProof="0"/>
           </a:p>
           <a:p>
             <a:pPr lvl="1" rtl="0"/>
@@ -2462,7 +2467,6 @@
               <a:rPr lang="zh-CN" altLang="en-US" noProof="0"/>
               <a:t>第二级</a:t>
             </a:r>
-            <a:endParaRPr lang="zh-CN" altLang="en-US" noProof="0"/>
           </a:p>
           <a:p>
             <a:pPr lvl="2" rtl="0"/>
@@ -2470,7 +2474,6 @@
               <a:rPr lang="zh-CN" altLang="en-US" noProof="0"/>
               <a:t>第三级</a:t>
             </a:r>
-            <a:endParaRPr lang="zh-CN" altLang="en-US" noProof="0"/>
           </a:p>
           <a:p>
             <a:pPr lvl="3" rtl="0"/>
@@ -2478,7 +2481,6 @@
               <a:rPr lang="zh-CN" altLang="en-US" noProof="0"/>
               <a:t>第四级</a:t>
             </a:r>
-            <a:endParaRPr lang="zh-CN" altLang="en-US" noProof="0"/>
           </a:p>
           <a:p>
             <a:pPr lvl="4" rtl="0"/>
@@ -2486,7 +2488,6 @@
               <a:rPr lang="zh-CN" altLang="en-US" noProof="0"/>
               <a:t>第五级</a:t>
             </a:r>
-            <a:endParaRPr lang="zh-CN" altLang="en-US" noProof="0"/>
           </a:p>
         </p:txBody>
       </p:sp>
@@ -2528,6 +2529,7 @@
           <a:p>
             <a:fld id="{1814A537-FBC6-4533-8B31-767E68D33208}" type="datetime1">
               <a:rPr lang="zh-CN" altLang="en-US" noProof="0" smtClean="0"/>
+              <a:t>2025/8/20</a:t>
             </a:fld>
             <a:endParaRPr lang="zh-CN" altLang="en-US" noProof="0" dirty="0"/>
           </a:p>
@@ -2611,6 +2613,7 @@
           <a:p>
             <a:fld id="{9860EDB8-5305-433F-BE41-D7A86D811DB3}" type="slidenum">
               <a:rPr lang="en-US" altLang="zh-CN" noProof="0" smtClean="0"/>
+              <a:t>‹#›</a:t>
             </a:fld>
             <a:endParaRPr lang="zh-CN" altLang="en-US" noProof="0"/>
           </a:p>
@@ -3083,13 +3086,6 @@
               </a:rPr>
               <a:t>设计全流程</a:t>
             </a:r>
-            <a:endParaRPr lang="zh-CN" altLang="en-US" sz="2400" dirty="0">
-              <a:solidFill>
-                <a:schemeClr val="bg1"/>
-              </a:solidFill>
-              <a:latin typeface="Microsoft YaHei UI Light" panose="020B0502040204020203" pitchFamily="34" charset="-122"/>
-              <a:ea typeface="Microsoft YaHei UI Light" panose="020B0502040204020203" pitchFamily="34" charset="-122"/>
-            </a:endParaRPr>
           </a:p>
         </p:txBody>
       </p:sp>
@@ -3148,9 +3144,6 @@
               </a:rPr>
               <a:t>处理器设计目标</a:t>
             </a:r>
-            <a:endParaRPr lang="zh-CN" altLang="en-US" dirty="0">
-              <a:cs typeface="Segoe UI Light" panose="020B0502040204020203" pitchFamily="34" charset="0"/>
-            </a:endParaRPr>
           </a:p>
         </p:txBody>
       </p:sp>
@@ -3705,11 +3698,6 @@
               </a:rPr>
               <a:t>等复杂模块的学习。</a:t>
             </a:r>
-            <a:endParaRPr lang="zh-CN" altLang="en-US" sz="1400" dirty="0">
-              <a:latin typeface="Microsoft YaHei UI" panose="020B0503020204020204" pitchFamily="34" charset="-122"/>
-              <a:ea typeface="Microsoft YaHei UI" panose="020B0503020204020204" pitchFamily="34" charset="-122"/>
-              <a:cs typeface="Segoe UI" panose="020B0502040204020203" pitchFamily="34" charset="0"/>
-            </a:endParaRPr>
           </a:p>
         </p:txBody>
       </p:sp>
@@ -3718,11 +3706,11 @@
   <p:clrMapOvr>
     <a:masterClrMapping/>
   </p:clrMapOvr>
-  <mc:AlternateContent xmlns:mc="http://schemas.openxmlformats.org/markup-compatibility/2006">
-    <mc:Choice xmlns:p14="http://schemas.microsoft.com/office/powerpoint/2010/main" Requires="p14">
+  <mc:AlternateContent xmlns:mc="http://schemas.openxmlformats.org/markup-compatibility/2006" xmlns:p14="http://schemas.microsoft.com/office/powerpoint/2010/main">
+    <mc:Choice Requires="p14">
       <p:transition p14:dur="10"/>
     </mc:Choice>
-    <mc:Fallback>
+    <mc:Fallback xmlns="">
       <p:transition/>
     </mc:Fallback>
   </mc:AlternateContent>
@@ -3774,9 +3762,6 @@
               </a:rPr>
               <a:t>处理器架构</a:t>
             </a:r>
-            <a:endParaRPr lang="zh-CN" altLang="en-US" dirty="0">
-              <a:cs typeface="Segoe UI Light" panose="020B0502040204020203" pitchFamily="34" charset="0"/>
-            </a:endParaRPr>
           </a:p>
         </p:txBody>
       </p:sp>
@@ -3789,7 +3774,7 @@
           <p:nvPr/>
         </p:nvPicPr>
         <p:blipFill>
-          <a:blip r:embed="rId1"/>
+          <a:blip r:embed="rId3"/>
           <a:stretch>
             <a:fillRect/>
           </a:stretch>
@@ -3809,11 +3794,11 @@
   <p:clrMapOvr>
     <a:masterClrMapping/>
   </p:clrMapOvr>
-  <mc:AlternateContent xmlns:mc="http://schemas.openxmlformats.org/markup-compatibility/2006">
-    <mc:Choice xmlns:p14="http://schemas.microsoft.com/office/powerpoint/2010/main" Requires="p14">
+  <mc:AlternateContent xmlns:mc="http://schemas.openxmlformats.org/markup-compatibility/2006" xmlns:p14="http://schemas.microsoft.com/office/powerpoint/2010/main">
+    <mc:Choice Requires="p14">
       <p:transition p14:dur="10"/>
     </mc:Choice>
-    <mc:Fallback>
+    <mc:Fallback xmlns="">
       <p:transition/>
     </mc:Fallback>
   </mc:AlternateContent>
@@ -3880,7 +3865,7 @@
           <p:nvPr/>
         </p:nvPicPr>
         <p:blipFill>
-          <a:blip r:embed="rId1"/>
+          <a:blip r:embed="rId3"/>
           <a:stretch>
             <a:fillRect/>
           </a:stretch>
@@ -3945,7 +3930,6 @@
               <a:rPr lang="zh-CN" altLang="en-US" dirty="0"/>
               <a:t>的寄存器，它里面存放的是指令的地址。</a:t>
             </a:r>
-            <a:endParaRPr lang="zh-CN" altLang="en-US" dirty="0"/>
           </a:p>
         </p:txBody>
       </p:sp>
@@ -4200,10 +4184,6 @@
               </a:rPr>
               <a:t>jump_adder_i.</a:t>
             </a:r>
-            <a:endParaRPr lang="en-US" altLang="zh-CN" dirty="0">
-              <a:latin typeface="微软雅黑 Light" panose="020B0502040204020203" pitchFamily="34" charset="-122"/>
-              <a:ea typeface="微软雅黑 Light" panose="020B0502040204020203" pitchFamily="34" charset="-122"/>
-            </a:endParaRPr>
           </a:p>
           <a:p>
             <a:r>
@@ -4255,10 +4235,6 @@
               </a:rPr>
               <a:t> </a:t>
             </a:r>
-            <a:endParaRPr lang="en-US" altLang="zh-CN" dirty="0">
-              <a:latin typeface="微软雅黑 Light" panose="020B0502040204020203" pitchFamily="34" charset="-122"/>
-              <a:ea typeface="微软雅黑 Light" panose="020B0502040204020203" pitchFamily="34" charset="-122"/>
-            </a:endParaRPr>
           </a:p>
           <a:p>
             <a:r>
@@ -4350,11 +4326,11 @@
   <p:clrMapOvr>
     <a:masterClrMapping/>
   </p:clrMapOvr>
-  <mc:AlternateContent xmlns:mc="http://schemas.openxmlformats.org/markup-compatibility/2006">
-    <mc:Choice xmlns:p14="http://schemas.microsoft.com/office/powerpoint/2010/main" Requires="p14">
+  <mc:AlternateContent xmlns:mc="http://schemas.openxmlformats.org/markup-compatibility/2006" xmlns:p14="http://schemas.microsoft.com/office/powerpoint/2010/main">
+    <mc:Choice Requires="p14">
       <p:transition p14:dur="10"/>
     </mc:Choice>
-    <mc:Fallback>
+    <mc:Fallback xmlns="">
       <p:transition/>
     </mc:Fallback>
   </mc:AlternateContent>
@@ -4412,9 +4388,6 @@
               </a:rPr>
               <a:t>指令（取指操作）</a:t>
             </a:r>
-            <a:endParaRPr lang="zh-CN" altLang="en-US" dirty="0">
-              <a:cs typeface="Segoe UI Light" panose="020B0502040204020203" pitchFamily="34" charset="0"/>
-            </a:endParaRPr>
           </a:p>
         </p:txBody>
       </p:sp>
@@ -4452,7 +4425,6 @@
               <a:rPr lang="zh-CN" altLang="en-US" dirty="0"/>
               <a:t>模块为组合逻辑电路。</a:t>
             </a:r>
-            <a:endParaRPr lang="zh-CN" altLang="en-US" dirty="0"/>
           </a:p>
         </p:txBody>
       </p:sp>
@@ -4585,7 +4557,7 @@
           <p:nvPr/>
         </p:nvPicPr>
         <p:blipFill>
-          <a:blip r:embed="rId1"/>
+          <a:blip r:embed="rId3"/>
           <a:stretch>
             <a:fillRect/>
           </a:stretch>
@@ -4644,11 +4616,11 @@
   <p:clrMapOvr>
     <a:masterClrMapping/>
   </p:clrMapOvr>
-  <mc:AlternateContent xmlns:mc="http://schemas.openxmlformats.org/markup-compatibility/2006">
-    <mc:Choice xmlns:p14="http://schemas.microsoft.com/office/powerpoint/2010/main" Requires="p14">
+  <mc:AlternateContent xmlns:mc="http://schemas.openxmlformats.org/markup-compatibility/2006" xmlns:p14="http://schemas.microsoft.com/office/powerpoint/2010/main">
+    <mc:Choice Requires="p14">
       <p:transition p14:dur="10"/>
     </mc:Choice>
-    <mc:Fallback>
+    <mc:Fallback xmlns="">
       <p:transition/>
     </mc:Fallback>
   </mc:AlternateContent>
@@ -4708,9 +4680,6 @@
               </a:rPr>
               <a:t>指令（取指流水线操作）</a:t>
             </a:r>
-            <a:endParaRPr lang="zh-CN" altLang="en-US" dirty="0">
-              <a:cs typeface="Segoe UI Light" panose="020B0502040204020203" pitchFamily="34" charset="0"/>
-            </a:endParaRPr>
           </a:p>
         </p:txBody>
       </p:sp>
@@ -4748,7 +4717,6 @@
               <a:rPr lang="zh-CN" altLang="en-US" dirty="0"/>
               <a:t>模块为第一级流水线。</a:t>
             </a:r>
-            <a:endParaRPr lang="zh-CN" altLang="en-US" dirty="0"/>
           </a:p>
         </p:txBody>
       </p:sp>
@@ -4811,7 +4779,7 @@
           <p:nvPr/>
         </p:nvPicPr>
         <p:blipFill>
-          <a:blip r:embed="rId1"/>
+          <a:blip r:embed="rId3"/>
           <a:stretch>
             <a:fillRect/>
           </a:stretch>
@@ -4916,11 +4884,11 @@
   <p:clrMapOvr>
     <a:masterClrMapping/>
   </p:clrMapOvr>
-  <mc:AlternateContent xmlns:mc="http://schemas.openxmlformats.org/markup-compatibility/2006">
-    <mc:Choice xmlns:p14="http://schemas.microsoft.com/office/powerpoint/2010/main" Requires="p14">
+  <mc:AlternateContent xmlns:mc="http://schemas.openxmlformats.org/markup-compatibility/2006" xmlns:p14="http://schemas.microsoft.com/office/powerpoint/2010/main">
+    <mc:Choice Requires="p14">
       <p:transition p14:dur="10"/>
     </mc:Choice>
-    <mc:Fallback>
+    <mc:Fallback xmlns="">
       <p:transition/>
     </mc:Fallback>
   </mc:AlternateContent>
@@ -4974,9 +4942,6 @@
               </a:rPr>
               <a:t>指令集</a:t>
             </a:r>
-            <a:endParaRPr lang="zh-CN" altLang="en-US" dirty="0">
-              <a:cs typeface="Segoe UI Light" panose="020B0502040204020203" pitchFamily="34" charset="0"/>
-            </a:endParaRPr>
           </a:p>
         </p:txBody>
       </p:sp>
@@ -4989,7 +4954,7 @@
           <p:nvPr/>
         </p:nvPicPr>
         <p:blipFill>
-          <a:blip r:embed="rId1"/>
+          <a:blip r:embed="rId3"/>
           <a:stretch>
             <a:fillRect/>
           </a:stretch>
@@ -5009,11 +4974,11 @@
   <p:clrMapOvr>
     <a:masterClrMapping/>
   </p:clrMapOvr>
-  <mc:AlternateContent xmlns:mc="http://schemas.openxmlformats.org/markup-compatibility/2006">
-    <mc:Choice xmlns:p14="http://schemas.microsoft.com/office/powerpoint/2010/main" Requires="p14">
+  <mc:AlternateContent xmlns:mc="http://schemas.openxmlformats.org/markup-compatibility/2006" xmlns:p14="http://schemas.microsoft.com/office/powerpoint/2010/main">
+    <mc:Choice Requires="p14">
       <p:transition p14:dur="10"/>
     </mc:Choice>
-    <mc:Fallback>
+    <mc:Fallback xmlns="">
       <p:transition/>
     </mc:Fallback>
   </mc:AlternateContent>
@@ -5079,9 +5044,6 @@
               </a:rPr>
               <a:t>机制</a:t>
             </a:r>
-            <a:endParaRPr lang="zh-CN" altLang="en-US" dirty="0">
-              <a:cs typeface="Segoe UI Light" panose="020B0502040204020203" pitchFamily="34" charset="0"/>
-            </a:endParaRPr>
           </a:p>
         </p:txBody>
       </p:sp>
@@ -5094,7 +5056,7 @@
           <p:nvPr/>
         </p:nvPicPr>
         <p:blipFill>
-          <a:blip r:embed="rId1"/>
+          <a:blip r:embed="rId3"/>
           <a:stretch>
             <a:fillRect/>
           </a:stretch>
@@ -5129,6 +5091,7 @@
           <a:bodyPr wrap="square" rtlCol="0">
             <a:spAutoFit/>
           </a:bodyPr>
+          <a:lstStyle/>
           <a:p>
             <a:r>
               <a:rPr lang="en-US" altLang="zh-CN"/>
@@ -5136,13 +5099,8 @@
             </a:r>
             <a:r>
               <a:rPr lang="zh-CN" altLang="en-US"/>
-              <a:t>位地址</a:t>
-            </a:r>
-            <a:r>
-              <a:rPr lang="zh-CN" altLang="en-US"/>
-              <a:t>信息</a:t>
-            </a:r>
-            <a:endParaRPr lang="zh-CN" altLang="en-US"/>
+              <a:t>位地址信息</a:t>
+            </a:r>
           </a:p>
         </p:txBody>
       </p:sp>
@@ -5155,7 +5113,7 @@
           <p:nvPr/>
         </p:nvPicPr>
         <p:blipFill>
-          <a:blip r:embed="rId2"/>
+          <a:blip r:embed="rId4"/>
           <a:stretch>
             <a:fillRect/>
           </a:stretch>
@@ -5190,6 +5148,7 @@
           <a:bodyPr wrap="square" rtlCol="0">
             <a:spAutoFit/>
           </a:bodyPr>
+          <a:lstStyle/>
           <a:p>
             <a:r>
               <a:rPr lang="en-US"/>
@@ -5199,7 +5158,6 @@
               <a:rPr lang="zh-CN" altLang="en-US"/>
               <a:t>整体结构</a:t>
             </a:r>
-            <a:endParaRPr lang="zh-CN" altLang="en-US"/>
           </a:p>
         </p:txBody>
       </p:sp>
@@ -5212,14 +5170,14 @@
           <p:nvPr/>
         </p:nvPicPr>
         <p:blipFill>
-          <a:blip r:embed="rId3"/>
+          <a:blip r:embed="rId5"/>
           <a:stretch>
             <a:fillRect/>
           </a:stretch>
         </p:blipFill>
         <p:spPr>
           <a:xfrm>
-            <a:off x="6044565" y="1483995"/>
+            <a:off x="6069967" y="1668145"/>
             <a:ext cx="5007610" cy="4450715"/>
           </a:xfrm>
           <a:prstGeom prst="rect">
@@ -5275,6 +5233,7 @@
         </p:style>
         <p:txBody>
           <a:bodyPr rtlCol="0" anchor="ctr"/>
+          <a:lstStyle/>
           <a:p>
             <a:pPr algn="ctr"/>
             <a:endParaRPr lang="zh-CN" altLang="en-US"/>
@@ -5320,16 +5279,52 @@
           </a:fontRef>
         </p:style>
       </p:cxnSp>
+      <p:sp>
+        <p:nvSpPr>
+          <p:cNvPr id="9" name="文本框 8">
+            <a:extLst>
+              <a:ext uri="{FF2B5EF4-FFF2-40B4-BE49-F238E27FC236}">
+                <a16:creationId xmlns:a16="http://schemas.microsoft.com/office/drawing/2014/main" id="{326C1F2A-9A98-BBD0-890D-AA7D1DF3D11D}"/>
+              </a:ext>
+            </a:extLst>
+          </p:cNvPr>
+          <p:cNvSpPr txBox="1"/>
+          <p:nvPr/>
+        </p:nvSpPr>
+        <p:spPr>
+          <a:xfrm>
+            <a:off x="6069967" y="1244084"/>
+            <a:ext cx="1279517" cy="369332"/>
+          </a:xfrm>
+          <a:prstGeom prst="rect">
+            <a:avLst/>
+          </a:prstGeom>
+          <a:noFill/>
+        </p:spPr>
+        <p:txBody>
+          <a:bodyPr wrap="none" rtlCol="0">
+            <a:spAutoFit/>
+          </a:bodyPr>
+          <a:lstStyle/>
+          <a:p>
+            <a:r>
+              <a:rPr lang="en-US" altLang="zh-CN" dirty="0"/>
+              <a:t>Cache Line</a:t>
+            </a:r>
+            <a:endParaRPr lang="zh-CN" altLang="en-US" dirty="0"/>
+          </a:p>
+        </p:txBody>
+      </p:sp>
     </p:spTree>
   </p:cSld>
   <p:clrMapOvr>
     <a:masterClrMapping/>
   </p:clrMapOvr>
-  <mc:AlternateContent xmlns:mc="http://schemas.openxmlformats.org/markup-compatibility/2006">
-    <mc:Choice xmlns:p14="http://schemas.microsoft.com/office/powerpoint/2010/main" Requires="p14">
+  <mc:AlternateContent xmlns:mc="http://schemas.openxmlformats.org/markup-compatibility/2006" xmlns:p14="http://schemas.microsoft.com/office/powerpoint/2010/main">
+    <mc:Choice Requires="p14">
       <p:transition p14:dur="10"/>
     </mc:Choice>
-    <mc:Fallback>
+    <mc:Fallback xmlns="">
       <p:transition/>
     </mc:Fallback>
   </mc:AlternateContent>
@@ -5527,6 +5522,8 @@
       </a:bgFillStyleLst>
     </a:fmtScheme>
   </a:themeElements>
+  <a:objectDefaults/>
+  <a:extraClrSchemeLst/>
   <a:extLst>
     <a:ext uri="{05A4C25C-085E-4340-85A3-A5531E510DB2}">
       <thm15:themeFamily xmlns:thm15="http://schemas.microsoft.com/office/thememl/2012/main" name="Office Theme" id="{62F939B6-93AF-4DB8-9C6B-D6C7DFDC589F}" vid="{4A3C46E8-61CC-4603-A589-7422A47A8E4A}"/>
@@ -5786,6 +5783,8 @@
       </a:bgFillStyleLst>
     </a:fmtScheme>
   </a:themeElements>
+  <a:objectDefaults/>
+  <a:extraClrSchemeLst/>
   <a:extLst>
     <a:ext uri="{05A4C25C-085E-4340-85A3-A5531E510DB2}">
       <thm15:themeFamily xmlns:thm15="http://schemas.microsoft.com/office/thememl/2012/main" name="Office Theme" id="{62F939B6-93AF-4DB8-9C6B-D6C7DFDC589F}" vid="{4A3C46E8-61CC-4603-A589-7422A47A8E4A}"/>
@@ -6045,6 +6044,8 @@
       </a:bgFillStyleLst>
     </a:fmtScheme>
   </a:themeElements>
+  <a:objectDefaults/>
+  <a:extraClrSchemeLst/>
   <a:extLst>
     <a:ext uri="{05A4C25C-085E-4340-85A3-A5531E510DB2}">
       <thm15:themeFamily xmlns:thm15="http://schemas.microsoft.com/office/thememl/2012/main" name="Office Theme" id="{62F939B6-93AF-4DB8-9C6B-D6C7DFDC589F}" vid="{4A3C46E8-61CC-4603-A589-7422A47A8E4A}"/>
